--- a/src/common/prototype/design_fossasia.pptx
+++ b/src/common/prototype/design_fossasia.pptx
@@ -5748,8 +5748,8 @@
         </p:nvSpPr>
         <p:spPr>
           <a:xfrm>
-            <a:off x="6408469" y="1258322"/>
-            <a:ext cx="5293518" cy="3754874"/>
+            <a:off x="6831539" y="1257051"/>
+            <a:ext cx="5293518" cy="4154984"/>
           </a:xfrm>
           <a:prstGeom prst="rect">
             <a:avLst/>
@@ -5764,9 +5764,17 @@
           <a:p>
             <a:pPr algn="just" fontAlgn="base"/>
             <a:r>
-              <a:rPr lang="en-SG" sz="1400" b="1" dirty="0"/>
+              <a:rPr lang="en-SG" sz="2000" b="1" dirty="0"/>
               <a:t>/Navajo Word of the Day - "I Love You”</a:t>
             </a:r>
+          </a:p>
+          <a:p>
+            <a:pPr algn="just" fontAlgn="base"/>
+            <a:r>
+              <a:rPr lang="en-US" altLang="zh-CN" sz="2000" b="1" dirty="0"/>
+              <a:t>___________________________</a:t>
+            </a:r>
+            <a:endParaRPr lang="en-SG" sz="2000" b="1" dirty="0"/>
           </a:p>
           <a:p>
             <a:pPr algn="just" fontAlgn="base"/>
